--- a/BoschMartorellFrancesc_Pra2.pptx
+++ b/BoschMartorellFrancesc_Pra2.pptx
@@ -5691,7 +5691,7 @@
                 <a16:creationId xmlns:a16="http://schemas.microsoft.com/office/drawing/2014/main" id="{93BFCDB3-13C4-4D69-848D-3F1F4D6B8F47}"/>
               </a:ext>
               <a:ext uri="{C183D7F6-B498-43B3-948B-1728B52AA6E4}">
-                <adec:decorative xmlns:adec="http://schemas.microsoft.com/office/drawing/2017/decorative" xmlns="" val="1"/>
+                <adec:decorative xmlns="" xmlns:adec="http://schemas.microsoft.com/office/drawing/2017/decorative" val="1"/>
               </a:ext>
             </a:extLst>
           </p:cNvPr>
@@ -5754,7 +5754,7 @@
                 <a16:creationId xmlns:a16="http://schemas.microsoft.com/office/drawing/2014/main" id="{CC2B9599-6E7A-4DD2-B13A-B4F68A1351A6}"/>
               </a:ext>
               <a:ext uri="{C183D7F6-B498-43B3-948B-1728B52AA6E4}">
-                <adec:decorative xmlns:adec="http://schemas.microsoft.com/office/drawing/2017/decorative" xmlns="" val="1"/>
+                <adec:decorative xmlns="" xmlns:adec="http://schemas.microsoft.com/office/drawing/2017/decorative" val="1"/>
               </a:ext>
             </a:extLst>
           </p:cNvPr>
@@ -5817,7 +5817,7 @@
                 <a16:creationId xmlns:a16="http://schemas.microsoft.com/office/drawing/2014/main" id="{3E377648-1ED1-4112-805B-16C14CE995F7}"/>
               </a:ext>
               <a:ext uri="{C183D7F6-B498-43B3-948B-1728B52AA6E4}">
-                <adec:decorative xmlns:adec="http://schemas.microsoft.com/office/drawing/2017/decorative" xmlns="" val="1"/>
+                <adec:decorative xmlns="" xmlns:adec="http://schemas.microsoft.com/office/drawing/2017/decorative" val="1"/>
               </a:ext>
             </a:extLst>
           </p:cNvPr>
@@ -5867,7 +5867,7 @@
                 <a16:creationId xmlns:a16="http://schemas.microsoft.com/office/drawing/2014/main" id="{D63B59CB-289C-4850-A932-358B9E412BA0}"/>
               </a:ext>
               <a:ext uri="{C183D7F6-B498-43B3-948B-1728B52AA6E4}">
-                <adec:decorative xmlns:adec="http://schemas.microsoft.com/office/drawing/2017/decorative" xmlns="" val="1"/>
+                <adec:decorative xmlns="" xmlns:adec="http://schemas.microsoft.com/office/drawing/2017/decorative" val="1"/>
               </a:ext>
             </a:extLst>
           </p:cNvPr>
@@ -5911,7 +5911,7 @@
                 <a16:creationId xmlns:a16="http://schemas.microsoft.com/office/drawing/2014/main" id="{98867647-07B7-4265-832F-DE0E80979AC4}"/>
               </a:ext>
               <a:ext uri="{C183D7F6-B498-43B3-948B-1728B52AA6E4}">
-                <adec:decorative xmlns:adec="http://schemas.microsoft.com/office/drawing/2017/decorative" xmlns="" val="1"/>
+                <adec:decorative xmlns="" xmlns:adec="http://schemas.microsoft.com/office/drawing/2017/decorative" val="1"/>
               </a:ext>
             </a:extLst>
           </p:cNvPr>
@@ -5973,7 +5973,7 @@
                 <a16:creationId xmlns:a16="http://schemas.microsoft.com/office/drawing/2014/main" id="{516AC468-2C3D-4337-A9A2-81175F6D54B7}"/>
               </a:ext>
               <a:ext uri="{C183D7F6-B498-43B3-948B-1728B52AA6E4}">
-                <adec:decorative xmlns:adec="http://schemas.microsoft.com/office/drawing/2017/decorative" xmlns="" val="1"/>
+                <adec:decorative xmlns="" xmlns:adec="http://schemas.microsoft.com/office/drawing/2017/decorative" val="1"/>
               </a:ext>
             </a:extLst>
           </p:cNvPr>
@@ -6032,7 +6032,7 @@
                 <a16:creationId xmlns:a16="http://schemas.microsoft.com/office/drawing/2014/main" id="{2A873262-74DB-4FD1-9625-E4616CF011DF}"/>
               </a:ext>
               <a:ext uri="{C183D7F6-B498-43B3-948B-1728B52AA6E4}">
-                <adec:decorative xmlns:adec="http://schemas.microsoft.com/office/drawing/2017/decorative" xmlns="" val="1"/>
+                <adec:decorative xmlns="" xmlns:adec="http://schemas.microsoft.com/office/drawing/2017/decorative" val="1"/>
               </a:ext>
             </a:extLst>
           </p:cNvPr>
@@ -6091,7 +6091,7 @@
                 <a16:creationId xmlns:a16="http://schemas.microsoft.com/office/drawing/2014/main" id="{09F3D15D-CB95-47AD-87F5-9CFF84F61593}"/>
               </a:ext>
               <a:ext uri="{C183D7F6-B498-43B3-948B-1728B52AA6E4}">
-                <adec:decorative xmlns:adec="http://schemas.microsoft.com/office/drawing/2017/decorative" xmlns="" val="1"/>
+                <adec:decorative xmlns="" xmlns:adec="http://schemas.microsoft.com/office/drawing/2017/decorative" val="1"/>
               </a:ext>
             </a:extLst>
           </p:cNvPr>
@@ -6712,7 +6712,7 @@
                 <a16:creationId xmlns:a16="http://schemas.microsoft.com/office/drawing/2014/main" id="{AB763E74-B111-4F0A-990A-DC546EDB60B3}"/>
               </a:ext>
               <a:ext uri="{C183D7F6-B498-43B3-948B-1728B52AA6E4}">
-                <adec:decorative xmlns:adec="http://schemas.microsoft.com/office/drawing/2017/decorative" xmlns="" val="1"/>
+                <adec:decorative xmlns="" xmlns:adec="http://schemas.microsoft.com/office/drawing/2017/decorative" val="1"/>
               </a:ext>
             </a:extLst>
           </p:cNvPr>
@@ -6775,7 +6775,7 @@
                 <a16:creationId xmlns:a16="http://schemas.microsoft.com/office/drawing/2014/main" id="{59261977-BEC4-4705-BB60-C4C0C74711F6}"/>
               </a:ext>
               <a:ext uri="{C183D7F6-B498-43B3-948B-1728B52AA6E4}">
-                <adec:decorative xmlns:adec="http://schemas.microsoft.com/office/drawing/2017/decorative" xmlns="" val="1"/>
+                <adec:decorative xmlns="" xmlns:adec="http://schemas.microsoft.com/office/drawing/2017/decorative" val="1"/>
               </a:ext>
             </a:extLst>
           </p:cNvPr>
@@ -6838,7 +6838,7 @@
                 <a16:creationId xmlns:a16="http://schemas.microsoft.com/office/drawing/2014/main" id="{E61F1EFE-E608-4FCB-8DBB-12FA3AC1E2C9}"/>
               </a:ext>
               <a:ext uri="{C183D7F6-B498-43B3-948B-1728B52AA6E4}">
-                <adec:decorative xmlns:adec="http://schemas.microsoft.com/office/drawing/2017/decorative" xmlns="" val="1"/>
+                <adec:decorative xmlns="" xmlns:adec="http://schemas.microsoft.com/office/drawing/2017/decorative" val="1"/>
               </a:ext>
             </a:extLst>
           </p:cNvPr>
@@ -6883,7 +6883,7 @@
                 <a16:creationId xmlns:a16="http://schemas.microsoft.com/office/drawing/2014/main" id="{4C7DD595-7EA3-45FF-B181-2B606353F7D0}"/>
               </a:ext>
               <a:ext uri="{C183D7F6-B498-43B3-948B-1728B52AA6E4}">
-                <adec:decorative xmlns:adec="http://schemas.microsoft.com/office/drawing/2017/decorative" xmlns="" val="1"/>
+                <adec:decorative xmlns="" xmlns:adec="http://schemas.microsoft.com/office/drawing/2017/decorative" val="1"/>
               </a:ext>
             </a:extLst>
           </p:cNvPr>
@@ -6927,7 +6927,7 @@
                 <a16:creationId xmlns:a16="http://schemas.microsoft.com/office/drawing/2014/main" id="{848B10FE-6408-43F6-9A62-B98F2DB0FFB8}"/>
               </a:ext>
               <a:ext uri="{C183D7F6-B498-43B3-948B-1728B52AA6E4}">
-                <adec:decorative xmlns:adec="http://schemas.microsoft.com/office/drawing/2017/decorative" xmlns="" val="1"/>
+                <adec:decorative xmlns="" xmlns:adec="http://schemas.microsoft.com/office/drawing/2017/decorative" val="1"/>
               </a:ext>
             </a:extLst>
           </p:cNvPr>
@@ -7189,7 +7189,7 @@
                 <a16:creationId xmlns:a16="http://schemas.microsoft.com/office/drawing/2014/main" id="{AB763E74-B111-4F0A-990A-DC546EDB60B3}"/>
               </a:ext>
               <a:ext uri="{C183D7F6-B498-43B3-948B-1728B52AA6E4}">
-                <adec:decorative xmlns:adec="http://schemas.microsoft.com/office/drawing/2017/decorative" xmlns="" val="1"/>
+                <adec:decorative xmlns="" xmlns:adec="http://schemas.microsoft.com/office/drawing/2017/decorative" val="1"/>
               </a:ext>
             </a:extLst>
           </p:cNvPr>
@@ -7252,7 +7252,7 @@
                 <a16:creationId xmlns:a16="http://schemas.microsoft.com/office/drawing/2014/main" id="{59261977-BEC4-4705-BB60-C4C0C74711F6}"/>
               </a:ext>
               <a:ext uri="{C183D7F6-B498-43B3-948B-1728B52AA6E4}">
-                <adec:decorative xmlns:adec="http://schemas.microsoft.com/office/drawing/2017/decorative" xmlns="" val="1"/>
+                <adec:decorative xmlns="" xmlns:adec="http://schemas.microsoft.com/office/drawing/2017/decorative" val="1"/>
               </a:ext>
             </a:extLst>
           </p:cNvPr>
@@ -7315,7 +7315,7 @@
                 <a16:creationId xmlns:a16="http://schemas.microsoft.com/office/drawing/2014/main" id="{E61F1EFE-E608-4FCB-8DBB-12FA3AC1E2C9}"/>
               </a:ext>
               <a:ext uri="{C183D7F6-B498-43B3-948B-1728B52AA6E4}">
-                <adec:decorative xmlns:adec="http://schemas.microsoft.com/office/drawing/2017/decorative" xmlns="" val="1"/>
+                <adec:decorative xmlns="" xmlns:adec="http://schemas.microsoft.com/office/drawing/2017/decorative" val="1"/>
               </a:ext>
             </a:extLst>
           </p:cNvPr>
@@ -7360,7 +7360,7 @@
                 <a16:creationId xmlns:a16="http://schemas.microsoft.com/office/drawing/2014/main" id="{4C7DD595-7EA3-45FF-B181-2B606353F7D0}"/>
               </a:ext>
               <a:ext uri="{C183D7F6-B498-43B3-948B-1728B52AA6E4}">
-                <adec:decorative xmlns:adec="http://schemas.microsoft.com/office/drawing/2017/decorative" xmlns="" val="1"/>
+                <adec:decorative xmlns="" xmlns:adec="http://schemas.microsoft.com/office/drawing/2017/decorative" val="1"/>
               </a:ext>
             </a:extLst>
           </p:cNvPr>
@@ -7404,7 +7404,7 @@
                 <a16:creationId xmlns:a16="http://schemas.microsoft.com/office/drawing/2014/main" id="{848B10FE-6408-43F6-9A62-B98F2DB0FFB8}"/>
               </a:ext>
               <a:ext uri="{C183D7F6-B498-43B3-948B-1728B52AA6E4}">
-                <adec:decorative xmlns:adec="http://schemas.microsoft.com/office/drawing/2017/decorative" xmlns="" val="1"/>
+                <adec:decorative xmlns="" xmlns:adec="http://schemas.microsoft.com/office/drawing/2017/decorative" val="1"/>
               </a:ext>
             </a:extLst>
           </p:cNvPr>
@@ -7666,7 +7666,7 @@
                 <a16:creationId xmlns:a16="http://schemas.microsoft.com/office/drawing/2014/main" id="{AB763E74-B111-4F0A-990A-DC546EDB60B3}"/>
               </a:ext>
               <a:ext uri="{C183D7F6-B498-43B3-948B-1728B52AA6E4}">
-                <adec:decorative xmlns:adec="http://schemas.microsoft.com/office/drawing/2017/decorative" xmlns="" val="1"/>
+                <adec:decorative xmlns="" xmlns:adec="http://schemas.microsoft.com/office/drawing/2017/decorative" val="1"/>
               </a:ext>
             </a:extLst>
           </p:cNvPr>
@@ -7729,7 +7729,7 @@
                 <a16:creationId xmlns:a16="http://schemas.microsoft.com/office/drawing/2014/main" id="{59261977-BEC4-4705-BB60-C4C0C74711F6}"/>
               </a:ext>
               <a:ext uri="{C183D7F6-B498-43B3-948B-1728B52AA6E4}">
-                <adec:decorative xmlns:adec="http://schemas.microsoft.com/office/drawing/2017/decorative" xmlns="" val="1"/>
+                <adec:decorative xmlns="" xmlns:adec="http://schemas.microsoft.com/office/drawing/2017/decorative" val="1"/>
               </a:ext>
             </a:extLst>
           </p:cNvPr>
@@ -7792,7 +7792,7 @@
                 <a16:creationId xmlns:a16="http://schemas.microsoft.com/office/drawing/2014/main" id="{E61F1EFE-E608-4FCB-8DBB-12FA3AC1E2C9}"/>
               </a:ext>
               <a:ext uri="{C183D7F6-B498-43B3-948B-1728B52AA6E4}">
-                <adec:decorative xmlns:adec="http://schemas.microsoft.com/office/drawing/2017/decorative" xmlns="" val="1"/>
+                <adec:decorative xmlns="" xmlns:adec="http://schemas.microsoft.com/office/drawing/2017/decorative" val="1"/>
               </a:ext>
             </a:extLst>
           </p:cNvPr>
@@ -7837,7 +7837,7 @@
                 <a16:creationId xmlns:a16="http://schemas.microsoft.com/office/drawing/2014/main" id="{4C7DD595-7EA3-45FF-B181-2B606353F7D0}"/>
               </a:ext>
               <a:ext uri="{C183D7F6-B498-43B3-948B-1728B52AA6E4}">
-                <adec:decorative xmlns:adec="http://schemas.microsoft.com/office/drawing/2017/decorative" xmlns="" val="1"/>
+                <adec:decorative xmlns="" xmlns:adec="http://schemas.microsoft.com/office/drawing/2017/decorative" val="1"/>
               </a:ext>
             </a:extLst>
           </p:cNvPr>
@@ -7881,7 +7881,7 @@
                 <a16:creationId xmlns:a16="http://schemas.microsoft.com/office/drawing/2014/main" id="{848B10FE-6408-43F6-9A62-B98F2DB0FFB8}"/>
               </a:ext>
               <a:ext uri="{C183D7F6-B498-43B3-948B-1728B52AA6E4}">
-                <adec:decorative xmlns:adec="http://schemas.microsoft.com/office/drawing/2017/decorative" xmlns="" val="1"/>
+                <adec:decorative xmlns="" xmlns:adec="http://schemas.microsoft.com/office/drawing/2017/decorative" val="1"/>
               </a:ext>
             </a:extLst>
           </p:cNvPr>
@@ -8168,7 +8168,7 @@
                 <a16:creationId xmlns:a16="http://schemas.microsoft.com/office/drawing/2014/main" id="{AB763E74-B111-4F0A-990A-DC546EDB60B3}"/>
               </a:ext>
               <a:ext uri="{C183D7F6-B498-43B3-948B-1728B52AA6E4}">
-                <adec:decorative xmlns:adec="http://schemas.microsoft.com/office/drawing/2017/decorative" xmlns="" val="1"/>
+                <adec:decorative xmlns="" xmlns:adec="http://schemas.microsoft.com/office/drawing/2017/decorative" val="1"/>
               </a:ext>
             </a:extLst>
           </p:cNvPr>
@@ -8231,7 +8231,7 @@
                 <a16:creationId xmlns:a16="http://schemas.microsoft.com/office/drawing/2014/main" id="{59261977-BEC4-4705-BB60-C4C0C74711F6}"/>
               </a:ext>
               <a:ext uri="{C183D7F6-B498-43B3-948B-1728B52AA6E4}">
-                <adec:decorative xmlns:adec="http://schemas.microsoft.com/office/drawing/2017/decorative" xmlns="" val="1"/>
+                <adec:decorative xmlns="" xmlns:adec="http://schemas.microsoft.com/office/drawing/2017/decorative" val="1"/>
               </a:ext>
             </a:extLst>
           </p:cNvPr>
@@ -8294,7 +8294,7 @@
                 <a16:creationId xmlns:a16="http://schemas.microsoft.com/office/drawing/2014/main" id="{E61F1EFE-E608-4FCB-8DBB-12FA3AC1E2C9}"/>
               </a:ext>
               <a:ext uri="{C183D7F6-B498-43B3-948B-1728B52AA6E4}">
-                <adec:decorative xmlns:adec="http://schemas.microsoft.com/office/drawing/2017/decorative" xmlns="" val="1"/>
+                <adec:decorative xmlns="" xmlns:adec="http://schemas.microsoft.com/office/drawing/2017/decorative" val="1"/>
               </a:ext>
             </a:extLst>
           </p:cNvPr>
@@ -8339,7 +8339,7 @@
                 <a16:creationId xmlns:a16="http://schemas.microsoft.com/office/drawing/2014/main" id="{4C7DD595-7EA3-45FF-B181-2B606353F7D0}"/>
               </a:ext>
               <a:ext uri="{C183D7F6-B498-43B3-948B-1728B52AA6E4}">
-                <adec:decorative xmlns:adec="http://schemas.microsoft.com/office/drawing/2017/decorative" xmlns="" val="1"/>
+                <adec:decorative xmlns="" xmlns:adec="http://schemas.microsoft.com/office/drawing/2017/decorative" val="1"/>
               </a:ext>
             </a:extLst>
           </p:cNvPr>
@@ -8383,7 +8383,7 @@
                 <a16:creationId xmlns:a16="http://schemas.microsoft.com/office/drawing/2014/main" id="{848B10FE-6408-43F6-9A62-B98F2DB0FFB8}"/>
               </a:ext>
               <a:ext uri="{C183D7F6-B498-43B3-948B-1728B52AA6E4}">
-                <adec:decorative xmlns:adec="http://schemas.microsoft.com/office/drawing/2017/decorative" xmlns="" val="1"/>
+                <adec:decorative xmlns="" xmlns:adec="http://schemas.microsoft.com/office/drawing/2017/decorative" val="1"/>
               </a:ext>
             </a:extLst>
           </p:cNvPr>
@@ -10103,7 +10103,7 @@
                 <a16:creationId xmlns:a16="http://schemas.microsoft.com/office/drawing/2014/main" id="{06FF3823-BBAD-4D28-B6DB-E416E24090B1}"/>
               </a:ext>
               <a:ext uri="{C183D7F6-B498-43B3-948B-1728B52AA6E4}">
-                <adec:decorative xmlns:adec="http://schemas.microsoft.com/office/drawing/2017/decorative" xmlns="" val="1"/>
+                <adec:decorative xmlns="" xmlns:adec="http://schemas.microsoft.com/office/drawing/2017/decorative" val="1"/>
               </a:ext>
             </a:extLst>
           </p:cNvPr>
@@ -10200,7 +10200,7 @@
                 <a16:creationId xmlns:a16="http://schemas.microsoft.com/office/drawing/2014/main" id="{0E20F056-0FFD-4EE9-BDCB-8963C7F8BAB4}"/>
               </a:ext>
               <a:ext uri="{C183D7F6-B498-43B3-948B-1728B52AA6E4}">
-                <adec:decorative xmlns:adec="http://schemas.microsoft.com/office/drawing/2017/decorative" xmlns="" val="1"/>
+                <adec:decorative xmlns="" xmlns:adec="http://schemas.microsoft.com/office/drawing/2017/decorative" val="1"/>
               </a:ext>
             </a:extLst>
           </p:cNvPr>
@@ -10253,7 +10253,7 @@
                 <a16:creationId xmlns:a16="http://schemas.microsoft.com/office/drawing/2014/main" id="{87507ED7-71D7-4B95-8D4F-7B3E186238E1}"/>
               </a:ext>
               <a:ext uri="{C183D7F6-B498-43B3-948B-1728B52AA6E4}">
-                <adec:decorative xmlns:adec="http://schemas.microsoft.com/office/drawing/2017/decorative" xmlns="" val="1"/>
+                <adec:decorative xmlns="" xmlns:adec="http://schemas.microsoft.com/office/drawing/2017/decorative" val="1"/>
               </a:ext>
             </a:extLst>
           </p:cNvPr>
@@ -10295,7 +10295,7 @@
                 <a16:creationId xmlns:a16="http://schemas.microsoft.com/office/drawing/2014/main" id="{AA38E6D2-F0D9-4B69-ABEB-EB70412E8C74}"/>
               </a:ext>
               <a:ext uri="{C183D7F6-B498-43B3-948B-1728B52AA6E4}">
-                <adec:decorative xmlns:adec="http://schemas.microsoft.com/office/drawing/2017/decorative" xmlns="" val="1"/>
+                <adec:decorative xmlns="" xmlns:adec="http://schemas.microsoft.com/office/drawing/2017/decorative" val="1"/>
               </a:ext>
             </a:extLst>
           </p:cNvPr>
@@ -10326,7 +10326,7 @@
                   <a16:creationId xmlns:a16="http://schemas.microsoft.com/office/drawing/2014/main" id="{025EA075-7728-48F3-B18E-92389160DD99}"/>
                 </a:ext>
                 <a:ext uri="{C183D7F6-B498-43B3-948B-1728B52AA6E4}">
-                  <adec:decorative xmlns:adec="http://schemas.microsoft.com/office/drawing/2017/decorative" xmlns="" val="1"/>
+                  <adec:decorative xmlns="" xmlns:adec="http://schemas.microsoft.com/office/drawing/2017/decorative" val="1"/>
                 </a:ext>
               </a:extLst>
             </p:cNvPr>
@@ -10386,7 +10386,7 @@
                   <a16:creationId xmlns:a16="http://schemas.microsoft.com/office/drawing/2014/main" id="{1115E6AD-1E2A-40FE-B424-56271D8A89F6}"/>
                 </a:ext>
                 <a:ext uri="{C183D7F6-B498-43B3-948B-1728B52AA6E4}">
-                  <adec:decorative xmlns:adec="http://schemas.microsoft.com/office/drawing/2017/decorative" xmlns="" val="1"/>
+                  <adec:decorative xmlns="" xmlns:adec="http://schemas.microsoft.com/office/drawing/2017/decorative" val="1"/>
                 </a:ext>
               </a:extLst>
             </p:cNvPr>
@@ -10415,7 +10415,7 @@
                     <a16:creationId xmlns:a16="http://schemas.microsoft.com/office/drawing/2014/main" id="{D2CFBBA0-D70F-4068-8385-B020EA21AAB4}"/>
                   </a:ext>
                   <a:ext uri="{C183D7F6-B498-43B3-948B-1728B52AA6E4}">
-                    <adec:decorative xmlns:adec="http://schemas.microsoft.com/office/drawing/2017/decorative" xmlns="" val="1"/>
+                    <adec:decorative xmlns="" xmlns:adec="http://schemas.microsoft.com/office/drawing/2017/decorative" val="1"/>
                   </a:ext>
                 </a:extLst>
               </p:cNvPr>
@@ -10472,7 +10472,7 @@
                     <a16:creationId xmlns:a16="http://schemas.microsoft.com/office/drawing/2014/main" id="{D963F62F-FFD6-43CD-BE0D-00770BB97C05}"/>
                   </a:ext>
                   <a:ext uri="{C183D7F6-B498-43B3-948B-1728B52AA6E4}">
-                    <adec:decorative xmlns:adec="http://schemas.microsoft.com/office/drawing/2017/decorative" xmlns="" val="1"/>
+                    <adec:decorative xmlns="" xmlns:adec="http://schemas.microsoft.com/office/drawing/2017/decorative" val="1"/>
                   </a:ext>
                 </a:extLst>
               </p:cNvPr>
@@ -10529,7 +10529,7 @@
                     <a16:creationId xmlns:a16="http://schemas.microsoft.com/office/drawing/2014/main" id="{875688F4-0BFA-49D0-92B0-84CBE5508B01}"/>
                   </a:ext>
                   <a:ext uri="{C183D7F6-B498-43B3-948B-1728B52AA6E4}">
-                    <adec:decorative xmlns:adec="http://schemas.microsoft.com/office/drawing/2017/decorative" xmlns="" val="1"/>
+                    <adec:decorative xmlns="" xmlns:adec="http://schemas.microsoft.com/office/drawing/2017/decorative" val="1"/>
                   </a:ext>
                 </a:extLst>
               </p:cNvPr>
@@ -10588,7 +10588,7 @@
                 <a16:creationId xmlns:a16="http://schemas.microsoft.com/office/drawing/2014/main" id="{7BB58C53-AF1A-4577-9FD9-2A6A3DDEA577}"/>
               </a:ext>
               <a:ext uri="{C183D7F6-B498-43B3-948B-1728B52AA6E4}">
-                <adec:decorative xmlns:adec="http://schemas.microsoft.com/office/drawing/2017/decorative" xmlns="" val="1"/>
+                <adec:decorative xmlns="" xmlns:adec="http://schemas.microsoft.com/office/drawing/2017/decorative" val="1"/>
               </a:ext>
             </a:extLst>
           </p:cNvPr>
@@ -10641,7 +10641,7 @@
                 <a16:creationId xmlns:a16="http://schemas.microsoft.com/office/drawing/2014/main" id="{E5F7F7DE-2DAA-4260-B379-423DEC36F325}"/>
               </a:ext>
               <a:ext uri="{C183D7F6-B498-43B3-948B-1728B52AA6E4}">
-                <adec:decorative xmlns:adec="http://schemas.microsoft.com/office/drawing/2017/decorative" xmlns="" val="1"/>
+                <adec:decorative xmlns="" xmlns:adec="http://schemas.microsoft.com/office/drawing/2017/decorative" val="1"/>
               </a:ext>
             </a:extLst>
           </p:cNvPr>
@@ -10734,13 +10734,13 @@
         </p:nvSpPr>
         <p:spPr>
           <a:xfrm>
-            <a:off x="1562100" y="3974586"/>
-            <a:ext cx="9070848" cy="1164677"/>
+            <a:off x="1562100" y="3632662"/>
+            <a:ext cx="9070848" cy="1506601"/>
           </a:xfrm>
         </p:spPr>
         <p:txBody>
           <a:bodyPr vert="horz" lIns="91440" tIns="45720" rIns="91440" bIns="45720" rtlCol="0">
-            <a:normAutofit fontScale="92500" lnSpcReduction="10000"/>
+            <a:normAutofit fontScale="92500"/>
           </a:bodyPr>
           <a:lstStyle/>
           <a:p>
@@ -10812,6 +10812,14 @@
                 <a:spcPts val="0"/>
               </a:spcBef>
             </a:pPr>
+            <a:endParaRPr lang="es-ES" spc="80" dirty="0" smtClean="0"/>
+          </a:p>
+          <a:p>
+            <a:pPr>
+              <a:spcBef>
+                <a:spcPts val="0"/>
+              </a:spcBef>
+            </a:pPr>
             <a:r>
               <a:rPr lang="es-ES" spc="80" dirty="0" err="1" smtClean="0"/>
               <a:t>Repositori</a:t>
@@ -10821,28 +10829,28 @@
               <a:t> </a:t>
             </a:r>
             <a:r>
+              <a:rPr lang="es-ES" spc="80" dirty="0" smtClean="0"/>
+              <a:t>de </a:t>
+            </a:r>
+            <a:r>
               <a:rPr lang="es-ES" spc="80" dirty="0" err="1" smtClean="0"/>
-              <a:t>amb</a:t>
+              <a:t>codi</a:t>
             </a:r>
             <a:r>
               <a:rPr lang="es-ES" spc="80" dirty="0" smtClean="0"/>
-              <a:t> scripts de </a:t>
-            </a:r>
-            <a:r>
-              <a:rPr lang="es-ES" spc="80" dirty="0" err="1" smtClean="0"/>
-              <a:t>tractament</a:t>
-            </a:r>
-            <a:r>
-              <a:rPr lang="es-ES" spc="80" dirty="0" smtClean="0"/>
-              <a:t> de </a:t>
-            </a:r>
-            <a:r>
-              <a:rPr lang="es-ES" spc="80" dirty="0" err="1" smtClean="0"/>
-              <a:t>dades</a:t>
-            </a:r>
-            <a:r>
-              <a:rPr lang="es-ES" spc="80" dirty="0" smtClean="0"/>
-              <a:t>:</a:t>
+              <a:t>: </a:t>
+            </a:r>
+            <a:r>
+              <a:rPr lang="es-ES" spc="80" dirty="0">
+                <a:hlinkClick r:id="rId7"/>
+              </a:rPr>
+              <a:t>https://</a:t>
+            </a:r>
+            <a:r>
+              <a:rPr lang="es-ES" spc="80" dirty="0" smtClean="0">
+                <a:hlinkClick r:id="rId7"/>
+              </a:rPr>
+              <a:t>github.com/fbosch-fundaciobit/Pra2-Visualitzaci-de-Dades</a:t>
             </a:r>
             <a:endParaRPr lang="es-ES" spc="80" dirty="0" smtClean="0"/>
           </a:p>
@@ -10864,7 +10872,7 @@
                 <a16:creationId xmlns:a16="http://schemas.microsoft.com/office/drawing/2014/main" id="{3C0C984F-4779-40F8-A8DC-59DD7615BE53}"/>
               </a:ext>
               <a:ext uri="{C183D7F6-B498-43B3-948B-1728B52AA6E4}">
-                <adec:decorative xmlns:adec="http://schemas.microsoft.com/office/drawing/2017/decorative" xmlns="" val="1"/>
+                <adec:decorative xmlns="" xmlns:adec="http://schemas.microsoft.com/office/drawing/2017/decorative" val="1"/>
               </a:ext>
             </a:extLst>
           </p:cNvPr>
@@ -10926,7 +10934,7 @@
                 <a16:creationId xmlns:a16="http://schemas.microsoft.com/office/drawing/2014/main" id="{57D5430C-DB52-4EA6-8319-C7AC4C1710C5}"/>
               </a:ext>
               <a:ext uri="{C183D7F6-B498-43B3-948B-1728B52AA6E4}">
-                <adec:decorative xmlns:adec="http://schemas.microsoft.com/office/drawing/2017/decorative" xmlns="" val="1"/>
+                <adec:decorative xmlns="" xmlns:adec="http://schemas.microsoft.com/office/drawing/2017/decorative" val="1"/>
               </a:ext>
             </a:extLst>
           </p:cNvPr>
@@ -10985,7 +10993,7 @@
                 <a16:creationId xmlns:a16="http://schemas.microsoft.com/office/drawing/2014/main" id="{8166ECFA-EC1E-4CD9-A9CC-1EBFE29AB8BC}"/>
               </a:ext>
               <a:ext uri="{C183D7F6-B498-43B3-948B-1728B52AA6E4}">
-                <adec:decorative xmlns:adec="http://schemas.microsoft.com/office/drawing/2017/decorative" xmlns="" val="1"/>
+                <adec:decorative xmlns="" xmlns:adec="http://schemas.microsoft.com/office/drawing/2017/decorative" val="1"/>
               </a:ext>
             </a:extLst>
           </p:cNvPr>
@@ -11044,7 +11052,7 @@
                 <a16:creationId xmlns:a16="http://schemas.microsoft.com/office/drawing/2014/main" id="{C746FE2E-3188-4CA0-96F7-21A68D1B1943}"/>
               </a:ext>
               <a:ext uri="{C183D7F6-B498-43B3-948B-1728B52AA6E4}">
-                <adec:decorative xmlns:adec="http://schemas.microsoft.com/office/drawing/2017/decorative" xmlns="" val="1"/>
+                <adec:decorative xmlns="" xmlns:adec="http://schemas.microsoft.com/office/drawing/2017/decorative" val="1"/>
               </a:ext>
             </a:extLst>
           </p:cNvPr>
@@ -12186,20 +12194,20 @@
 </file>
 
 <file path=customXml/item2.xml><?xml version="1.0" encoding="utf-8"?>
-<p:properties xmlns:p="http://schemas.microsoft.com/office/2006/metadata/properties" xmlns:xsi="http://www.w3.org/2001/XMLSchema-instance" xmlns:pc="http://schemas.microsoft.com/office/infopath/2007/PartnerControls">
-  <documentManagement>
-    <MediaServiceKeyPoints xmlns="71af3243-3dd4-4a8d-8c0d-dd76da1f02a5" xsi:nil="true"/>
-  </documentManagement>
-</p:properties>
-</file>
-
-<file path=customXml/item3.xml><?xml version="1.0" encoding="utf-8"?>
 <?mso-contentType ?>
 <FormTemplates xmlns="http://schemas.microsoft.com/sharepoint/v3/contenttype/forms">
   <Display>DocumentLibraryForm</Display>
   <Edit>DocumentLibraryForm</Edit>
   <New>DocumentLibraryForm</New>
 </FormTemplates>
+</file>
+
+<file path=customXml/item3.xml><?xml version="1.0" encoding="utf-8"?>
+<p:properties xmlns:p="http://schemas.microsoft.com/office/2006/metadata/properties" xmlns:xsi="http://www.w3.org/2001/XMLSchema-instance" xmlns:pc="http://schemas.microsoft.com/office/infopath/2007/PartnerControls">
+  <documentManagement>
+    <MediaServiceKeyPoints xmlns="71af3243-3dd4-4a8d-8c0d-dd76da1f02a5" xsi:nil="true"/>
+  </documentManagement>
+</p:properties>
 </file>
 
 <file path=customXml/itemProps1.xml><?xml version="1.0" encoding="utf-8"?>
@@ -12222,6 +12230,14 @@
 </file>
 
 <file path=customXml/itemProps2.xml><?xml version="1.0" encoding="utf-8"?>
+<ds:datastoreItem xmlns:ds="http://schemas.openxmlformats.org/officeDocument/2006/customXml" ds:itemID="{75D6F7AD-09FB-47AB-B353-D1D83850E3A3}">
+  <ds:schemaRefs>
+    <ds:schemaRef ds:uri="http://schemas.microsoft.com/sharepoint/v3/contenttype/forms"/>
+  </ds:schemaRefs>
+</ds:datastoreItem>
+</file>
+
+<file path=customXml/itemProps3.xml><?xml version="1.0" encoding="utf-8"?>
 <ds:datastoreItem xmlns:ds="http://schemas.openxmlformats.org/officeDocument/2006/customXml" ds:itemID="{12C0DB4D-BE53-4100-8A0D-CEFB2E482820}">
   <ds:schemaRefs>
     <ds:schemaRef ds:uri="http://schemas.microsoft.com/office/2006/metadata/properties"/>
@@ -12229,12 +12245,4 @@
     <ds:schemaRef ds:uri="71af3243-3dd4-4a8d-8c0d-dd76da1f02a5"/>
   </ds:schemaRefs>
 </ds:datastoreItem>
-</file>
-
-<file path=customXml/itemProps3.xml><?xml version="1.0" encoding="utf-8"?>
-<ds:datastoreItem xmlns:ds="http://schemas.openxmlformats.org/officeDocument/2006/customXml" ds:itemID="{75D6F7AD-09FB-47AB-B353-D1D83850E3A3}">
-  <ds:schemaRefs>
-    <ds:schemaRef ds:uri="http://schemas.microsoft.com/sharepoint/v3/contenttype/forms"/>
-  </ds:schemaRefs>
-</ds:datastoreItem>
 </file>